--- a/_posts/images/新建 Microsoft PowerPoint 演示文稿.pptx
+++ b/_posts/images/新建 Microsoft PowerPoint 演示文稿.pptx
@@ -6,6 +6,8 @@
   </p:sldMasterIdLst>
   <p:sldIdLst>
     <p:sldId id="256" r:id="rId2"/>
+    <p:sldId id="257" r:id="rId3"/>
+    <p:sldId id="258" r:id="rId4"/>
   </p:sldIdLst>
   <p:sldSz cx="12192000" cy="6858000"/>
   <p:notesSz cx="6858000" cy="9144000"/>
@@ -104,6 +106,11 @@
       </a:defRPr>
     </a:lvl9pPr>
   </p:defaultTextStyle>
+  <p:extLst>
+    <p:ext uri="{EFAFB233-063F-42B5-8137-9DF3F51BA10A}">
+      <p15:sldGuideLst xmlns:p15="http://schemas.microsoft.com/office/powerpoint/2012/main"/>
+    </p:ext>
+  </p:extLst>
 </p:presentation>
 </file>
 
@@ -3442,6 +3449,238 @@
 </p:sld>
 </file>
 
+<file path=ppt/slides/slide2.xml><?xml version="1.0" encoding="utf-8"?>
+<p:sld xmlns:a="http://schemas.openxmlformats.org/drawingml/2006/main" xmlns:r="http://schemas.openxmlformats.org/officeDocument/2006/relationships" xmlns:p="http://schemas.openxmlformats.org/presentationml/2006/main">
+  <p:cSld>
+    <p:spTree>
+      <p:nvGrpSpPr>
+        <p:cNvPr id="1" name=""/>
+        <p:cNvGrpSpPr/>
+        <p:nvPr/>
+      </p:nvGrpSpPr>
+      <p:grpSpPr>
+        <a:xfrm>
+          <a:off x="0" y="0"/>
+          <a:ext cx="0" cy="0"/>
+          <a:chOff x="0" y="0"/>
+          <a:chExt cx="0" cy="0"/>
+        </a:xfrm>
+      </p:grpSpPr>
+      <p:pic>
+        <p:nvPicPr>
+          <p:cNvPr id="5" name="图片 4">
+            <a:extLst>
+              <a:ext uri="{FF2B5EF4-FFF2-40B4-BE49-F238E27FC236}">
+                <a16:creationId xmlns:a16="http://schemas.microsoft.com/office/drawing/2014/main" id="{1E3F5DB7-B111-4418-8953-3E871FCEF175}"/>
+              </a:ext>
+            </a:extLst>
+          </p:cNvPr>
+          <p:cNvPicPr>
+            <a:picLocks noChangeAspect="1"/>
+          </p:cNvPicPr>
+          <p:nvPr/>
+        </p:nvPicPr>
+        <p:blipFill>
+          <a:blip r:embed="rId2">
+            <a:extLst>
+              <a:ext uri="{28A0092B-C50C-407E-A947-70E740481C1C}">
+                <a14:useLocalDpi xmlns:a14="http://schemas.microsoft.com/office/drawing/2010/main" val="0"/>
+              </a:ext>
+            </a:extLst>
+          </a:blip>
+          <a:stretch>
+            <a:fillRect/>
+          </a:stretch>
+        </p:blipFill>
+        <p:spPr>
+          <a:xfrm>
+            <a:off x="817914" y="1446243"/>
+            <a:ext cx="4649825" cy="1766729"/>
+          </a:xfrm>
+          <a:prstGeom prst="rect">
+            <a:avLst/>
+          </a:prstGeom>
+          <a:ln>
+            <a:solidFill>
+              <a:schemeClr val="bg1">
+                <a:lumMod val="75000"/>
+              </a:schemeClr>
+            </a:solidFill>
+          </a:ln>
+        </p:spPr>
+      </p:pic>
+      <p:pic>
+        <p:nvPicPr>
+          <p:cNvPr id="7" name="图片 6">
+            <a:extLst>
+              <a:ext uri="{FF2B5EF4-FFF2-40B4-BE49-F238E27FC236}">
+                <a16:creationId xmlns:a16="http://schemas.microsoft.com/office/drawing/2014/main" id="{1F7A5BE1-A057-46FF-9836-32A465182F1D}"/>
+              </a:ext>
+            </a:extLst>
+          </p:cNvPr>
+          <p:cNvPicPr>
+            <a:picLocks noChangeAspect="1"/>
+          </p:cNvPicPr>
+          <p:nvPr/>
+        </p:nvPicPr>
+        <p:blipFill>
+          <a:blip r:embed="rId3">
+            <a:extLst>
+              <a:ext uri="{28A0092B-C50C-407E-A947-70E740481C1C}">
+                <a14:useLocalDpi xmlns:a14="http://schemas.microsoft.com/office/drawing/2010/main" val="0"/>
+              </a:ext>
+            </a:extLst>
+          </a:blip>
+          <a:stretch>
+            <a:fillRect/>
+          </a:stretch>
+        </p:blipFill>
+        <p:spPr>
+          <a:xfrm>
+            <a:off x="5467739" y="1446242"/>
+            <a:ext cx="4649825" cy="1766729"/>
+          </a:xfrm>
+          <a:prstGeom prst="rect">
+            <a:avLst/>
+          </a:prstGeom>
+          <a:ln>
+            <a:solidFill>
+              <a:schemeClr val="bg1">
+                <a:lumMod val="75000"/>
+              </a:schemeClr>
+            </a:solidFill>
+          </a:ln>
+        </p:spPr>
+      </p:pic>
+    </p:spTree>
+    <p:extLst>
+      <p:ext uri="{BB962C8B-B14F-4D97-AF65-F5344CB8AC3E}">
+        <p14:creationId xmlns:p14="http://schemas.microsoft.com/office/powerpoint/2010/main" val="1413586104"/>
+      </p:ext>
+    </p:extLst>
+  </p:cSld>
+  <p:clrMapOvr>
+    <a:masterClrMapping/>
+  </p:clrMapOvr>
+</p:sld>
+</file>
+
+<file path=ppt/slides/slide3.xml><?xml version="1.0" encoding="utf-8"?>
+<p:sld xmlns:a="http://schemas.openxmlformats.org/drawingml/2006/main" xmlns:r="http://schemas.openxmlformats.org/officeDocument/2006/relationships" xmlns:p="http://schemas.openxmlformats.org/presentationml/2006/main">
+  <p:cSld>
+    <p:spTree>
+      <p:nvGrpSpPr>
+        <p:cNvPr id="1" name=""/>
+        <p:cNvGrpSpPr/>
+        <p:nvPr/>
+      </p:nvGrpSpPr>
+      <p:grpSpPr>
+        <a:xfrm>
+          <a:off x="0" y="0"/>
+          <a:ext cx="0" cy="0"/>
+          <a:chOff x="0" y="0"/>
+          <a:chExt cx="0" cy="0"/>
+        </a:xfrm>
+      </p:grpSpPr>
+      <p:pic>
+        <p:nvPicPr>
+          <p:cNvPr id="3" name="图片 2">
+            <a:extLst>
+              <a:ext uri="{FF2B5EF4-FFF2-40B4-BE49-F238E27FC236}">
+                <a16:creationId xmlns:a16="http://schemas.microsoft.com/office/drawing/2014/main" id="{8F9A2BF7-6F3C-4A60-9E4B-EC38ABFBF06A}"/>
+              </a:ext>
+            </a:extLst>
+          </p:cNvPr>
+          <p:cNvPicPr>
+            <a:picLocks noChangeAspect="1"/>
+          </p:cNvPicPr>
+          <p:nvPr/>
+        </p:nvPicPr>
+        <p:blipFill>
+          <a:blip r:embed="rId2">
+            <a:extLst>
+              <a:ext uri="{28A0092B-C50C-407E-A947-70E740481C1C}">
+                <a14:useLocalDpi xmlns:a14="http://schemas.microsoft.com/office/drawing/2010/main" val="0"/>
+              </a:ext>
+            </a:extLst>
+          </a:blip>
+          <a:stretch>
+            <a:fillRect/>
+          </a:stretch>
+        </p:blipFill>
+        <p:spPr>
+          <a:xfrm>
+            <a:off x="4573002" y="3429000"/>
+            <a:ext cx="2522439" cy="1394581"/>
+          </a:xfrm>
+          <a:prstGeom prst="rect">
+            <a:avLst/>
+          </a:prstGeom>
+          <a:ln>
+            <a:solidFill>
+              <a:schemeClr val="bg1">
+                <a:lumMod val="75000"/>
+              </a:schemeClr>
+            </a:solidFill>
+          </a:ln>
+        </p:spPr>
+      </p:pic>
+      <p:pic>
+        <p:nvPicPr>
+          <p:cNvPr id="5" name="图片 4">
+            <a:extLst>
+              <a:ext uri="{FF2B5EF4-FFF2-40B4-BE49-F238E27FC236}">
+                <a16:creationId xmlns:a16="http://schemas.microsoft.com/office/drawing/2014/main" id="{D5A1A054-B113-45DA-A529-013F0E5F4D4E}"/>
+              </a:ext>
+            </a:extLst>
+          </p:cNvPr>
+          <p:cNvPicPr>
+            <a:picLocks noChangeAspect="1"/>
+          </p:cNvPicPr>
+          <p:nvPr/>
+        </p:nvPicPr>
+        <p:blipFill>
+          <a:blip r:embed="rId3">
+            <a:extLst>
+              <a:ext uri="{28A0092B-C50C-407E-A947-70E740481C1C}">
+                <a14:useLocalDpi xmlns:a14="http://schemas.microsoft.com/office/drawing/2010/main" val="0"/>
+              </a:ext>
+            </a:extLst>
+          </a:blip>
+          <a:stretch>
+            <a:fillRect/>
+          </a:stretch>
+        </p:blipFill>
+        <p:spPr>
+          <a:xfrm>
+            <a:off x="2035322" y="3429000"/>
+            <a:ext cx="2537680" cy="1394581"/>
+          </a:xfrm>
+          <a:prstGeom prst="rect">
+            <a:avLst/>
+          </a:prstGeom>
+          <a:ln>
+            <a:solidFill>
+              <a:schemeClr val="bg1">
+                <a:lumMod val="75000"/>
+              </a:schemeClr>
+            </a:solidFill>
+          </a:ln>
+        </p:spPr>
+      </p:pic>
+    </p:spTree>
+    <p:extLst>
+      <p:ext uri="{BB962C8B-B14F-4D97-AF65-F5344CB8AC3E}">
+        <p14:creationId xmlns:p14="http://schemas.microsoft.com/office/powerpoint/2010/main" val="2892800011"/>
+      </p:ext>
+    </p:extLst>
+  </p:cSld>
+  <p:clrMapOvr>
+    <a:masterClrMapping/>
+  </p:clrMapOvr>
+</p:sld>
+</file>
+
 <file path=ppt/theme/theme1.xml><?xml version="1.0" encoding="utf-8"?>
 <a:theme xmlns:a="http://schemas.openxmlformats.org/drawingml/2006/main" name="Office 主题​​">
   <a:themeElements>

--- a/_posts/images/新建 Microsoft PowerPoint 演示文稿.pptx
+++ b/_posts/images/新建 Microsoft PowerPoint 演示文稿.pptx
@@ -8,6 +8,7 @@
     <p:sldId id="256" r:id="rId2"/>
     <p:sldId id="257" r:id="rId3"/>
     <p:sldId id="258" r:id="rId4"/>
+    <p:sldId id="259" r:id="rId5"/>
   </p:sldIdLst>
   <p:sldSz cx="12192000" cy="6858000"/>
   <p:notesSz cx="6858000" cy="9144000"/>
@@ -261,7 +262,7 @@
           <a:p>
             <a:fld id="{FD65472D-41FC-4FD3-A8F7-7292B42464C5}" type="datetimeFigureOut">
               <a:rPr lang="zh-CN" altLang="en-US" smtClean="0"/>
-              <a:t>2019/12/10</a:t>
+              <a:t>2019/12/16</a:t>
             </a:fld>
             <a:endParaRPr lang="zh-CN" altLang="en-US"/>
           </a:p>
@@ -459,7 +460,7 @@
           <a:p>
             <a:fld id="{FD65472D-41FC-4FD3-A8F7-7292B42464C5}" type="datetimeFigureOut">
               <a:rPr lang="zh-CN" altLang="en-US" smtClean="0"/>
-              <a:t>2019/12/10</a:t>
+              <a:t>2019/12/16</a:t>
             </a:fld>
             <a:endParaRPr lang="zh-CN" altLang="en-US"/>
           </a:p>
@@ -667,7 +668,7 @@
           <a:p>
             <a:fld id="{FD65472D-41FC-4FD3-A8F7-7292B42464C5}" type="datetimeFigureOut">
               <a:rPr lang="zh-CN" altLang="en-US" smtClean="0"/>
-              <a:t>2019/12/10</a:t>
+              <a:t>2019/12/16</a:t>
             </a:fld>
             <a:endParaRPr lang="zh-CN" altLang="en-US"/>
           </a:p>
@@ -865,7 +866,7 @@
           <a:p>
             <a:fld id="{FD65472D-41FC-4FD3-A8F7-7292B42464C5}" type="datetimeFigureOut">
               <a:rPr lang="zh-CN" altLang="en-US" smtClean="0"/>
-              <a:t>2019/12/10</a:t>
+              <a:t>2019/12/16</a:t>
             </a:fld>
             <a:endParaRPr lang="zh-CN" altLang="en-US"/>
           </a:p>
@@ -1140,7 +1141,7 @@
           <a:p>
             <a:fld id="{FD65472D-41FC-4FD3-A8F7-7292B42464C5}" type="datetimeFigureOut">
               <a:rPr lang="zh-CN" altLang="en-US" smtClean="0"/>
-              <a:t>2019/12/10</a:t>
+              <a:t>2019/12/16</a:t>
             </a:fld>
             <a:endParaRPr lang="zh-CN" altLang="en-US"/>
           </a:p>
@@ -1405,7 +1406,7 @@
           <a:p>
             <a:fld id="{FD65472D-41FC-4FD3-A8F7-7292B42464C5}" type="datetimeFigureOut">
               <a:rPr lang="zh-CN" altLang="en-US" smtClean="0"/>
-              <a:t>2019/12/10</a:t>
+              <a:t>2019/12/16</a:t>
             </a:fld>
             <a:endParaRPr lang="zh-CN" altLang="en-US"/>
           </a:p>
@@ -1817,7 +1818,7 @@
           <a:p>
             <a:fld id="{FD65472D-41FC-4FD3-A8F7-7292B42464C5}" type="datetimeFigureOut">
               <a:rPr lang="zh-CN" altLang="en-US" smtClean="0"/>
-              <a:t>2019/12/10</a:t>
+              <a:t>2019/12/16</a:t>
             </a:fld>
             <a:endParaRPr lang="zh-CN" altLang="en-US"/>
           </a:p>
@@ -1958,7 +1959,7 @@
           <a:p>
             <a:fld id="{FD65472D-41FC-4FD3-A8F7-7292B42464C5}" type="datetimeFigureOut">
               <a:rPr lang="zh-CN" altLang="en-US" smtClean="0"/>
-              <a:t>2019/12/10</a:t>
+              <a:t>2019/12/16</a:t>
             </a:fld>
             <a:endParaRPr lang="zh-CN" altLang="en-US"/>
           </a:p>
@@ -2071,7 +2072,7 @@
           <a:p>
             <a:fld id="{FD65472D-41FC-4FD3-A8F7-7292B42464C5}" type="datetimeFigureOut">
               <a:rPr lang="zh-CN" altLang="en-US" smtClean="0"/>
-              <a:t>2019/12/10</a:t>
+              <a:t>2019/12/16</a:t>
             </a:fld>
             <a:endParaRPr lang="zh-CN" altLang="en-US"/>
           </a:p>
@@ -2382,7 +2383,7 @@
           <a:p>
             <a:fld id="{FD65472D-41FC-4FD3-A8F7-7292B42464C5}" type="datetimeFigureOut">
               <a:rPr lang="zh-CN" altLang="en-US" smtClean="0"/>
-              <a:t>2019/12/10</a:t>
+              <a:t>2019/12/16</a:t>
             </a:fld>
             <a:endParaRPr lang="zh-CN" altLang="en-US"/>
           </a:p>
@@ -2670,7 +2671,7 @@
           <a:p>
             <a:fld id="{FD65472D-41FC-4FD3-A8F7-7292B42464C5}" type="datetimeFigureOut">
               <a:rPr lang="zh-CN" altLang="en-US" smtClean="0"/>
-              <a:t>2019/12/10</a:t>
+              <a:t>2019/12/16</a:t>
             </a:fld>
             <a:endParaRPr lang="zh-CN" altLang="en-US"/>
           </a:p>
@@ -2911,7 +2912,7 @@
           <a:p>
             <a:fld id="{FD65472D-41FC-4FD3-A8F7-7292B42464C5}" type="datetimeFigureOut">
               <a:rPr lang="zh-CN" altLang="en-US" smtClean="0"/>
-              <a:t>2019/12/10</a:t>
+              <a:t>2019/12/16</a:t>
             </a:fld>
             <a:endParaRPr lang="zh-CN" altLang="en-US"/>
           </a:p>
@@ -3681,6 +3682,216 @@
 </p:sld>
 </file>
 
+<file path=ppt/slides/slide4.xml><?xml version="1.0" encoding="utf-8"?>
+<p:sld xmlns:a="http://schemas.openxmlformats.org/drawingml/2006/main" xmlns:r="http://schemas.openxmlformats.org/officeDocument/2006/relationships" xmlns:p="http://schemas.openxmlformats.org/presentationml/2006/main">
+  <p:cSld>
+    <p:spTree>
+      <p:nvGrpSpPr>
+        <p:cNvPr id="1" name=""/>
+        <p:cNvGrpSpPr/>
+        <p:nvPr/>
+      </p:nvGrpSpPr>
+      <p:grpSpPr>
+        <a:xfrm>
+          <a:off x="0" y="0"/>
+          <a:ext cx="0" cy="0"/>
+          <a:chOff x="0" y="0"/>
+          <a:chExt cx="0" cy="0"/>
+        </a:xfrm>
+      </p:grpSpPr>
+      <p:pic>
+        <p:nvPicPr>
+          <p:cNvPr id="8" name="图片 7">
+            <a:extLst>
+              <a:ext uri="{FF2B5EF4-FFF2-40B4-BE49-F238E27FC236}">
+                <a16:creationId xmlns:a16="http://schemas.microsoft.com/office/drawing/2014/main" id="{B568350B-2277-475C-A6E0-C4AF12310DCE}"/>
+              </a:ext>
+            </a:extLst>
+          </p:cNvPr>
+          <p:cNvPicPr>
+            <a:picLocks noChangeAspect="1"/>
+          </p:cNvPicPr>
+          <p:nvPr/>
+        </p:nvPicPr>
+        <p:blipFill>
+          <a:blip r:embed="rId2">
+            <a:extLst>
+              <a:ext uri="{28A0092B-C50C-407E-A947-70E740481C1C}">
+                <a14:useLocalDpi xmlns:a14="http://schemas.microsoft.com/office/drawing/2010/main" val="0"/>
+              </a:ext>
+            </a:extLst>
+          </a:blip>
+          <a:stretch>
+            <a:fillRect/>
+          </a:stretch>
+        </p:blipFill>
+        <p:spPr>
+          <a:xfrm>
+            <a:off x="4980540" y="1285827"/>
+            <a:ext cx="4549145" cy="2143173"/>
+          </a:xfrm>
+          <a:prstGeom prst="rect">
+            <a:avLst/>
+          </a:prstGeom>
+        </p:spPr>
+      </p:pic>
+      <p:pic>
+        <p:nvPicPr>
+          <p:cNvPr id="10" name="图片 9">
+            <a:extLst>
+              <a:ext uri="{FF2B5EF4-FFF2-40B4-BE49-F238E27FC236}">
+                <a16:creationId xmlns:a16="http://schemas.microsoft.com/office/drawing/2014/main" id="{3023967E-10A9-4C7C-ADE0-FAE28F88974C}"/>
+              </a:ext>
+            </a:extLst>
+          </p:cNvPr>
+          <p:cNvPicPr>
+            <a:picLocks noChangeAspect="1"/>
+          </p:cNvPicPr>
+          <p:nvPr/>
+        </p:nvPicPr>
+        <p:blipFill>
+          <a:blip r:embed="rId3">
+            <a:extLst>
+              <a:ext uri="{28A0092B-C50C-407E-A947-70E740481C1C}">
+                <a14:useLocalDpi xmlns:a14="http://schemas.microsoft.com/office/drawing/2010/main" val="0"/>
+              </a:ext>
+            </a:extLst>
+          </a:blip>
+          <a:stretch>
+            <a:fillRect/>
+          </a:stretch>
+        </p:blipFill>
+        <p:spPr>
+          <a:xfrm>
+            <a:off x="387742" y="1285827"/>
+            <a:ext cx="4549145" cy="2143173"/>
+          </a:xfrm>
+          <a:prstGeom prst="rect">
+            <a:avLst/>
+          </a:prstGeom>
+        </p:spPr>
+      </p:pic>
+      <p:pic>
+        <p:nvPicPr>
+          <p:cNvPr id="12" name="图片 11">
+            <a:extLst>
+              <a:ext uri="{FF2B5EF4-FFF2-40B4-BE49-F238E27FC236}">
+                <a16:creationId xmlns:a16="http://schemas.microsoft.com/office/drawing/2014/main" id="{BE0E5D43-E9FD-4AB5-A2AB-797F4D12CEB0}"/>
+              </a:ext>
+            </a:extLst>
+          </p:cNvPr>
+          <p:cNvPicPr>
+            <a:picLocks noChangeAspect="1"/>
+          </p:cNvPicPr>
+          <p:nvPr/>
+        </p:nvPicPr>
+        <p:blipFill>
+          <a:blip r:embed="rId4">
+            <a:extLst>
+              <a:ext uri="{28A0092B-C50C-407E-A947-70E740481C1C}">
+                <a14:useLocalDpi xmlns:a14="http://schemas.microsoft.com/office/drawing/2010/main" val="0"/>
+              </a:ext>
+            </a:extLst>
+          </a:blip>
+          <a:stretch>
+            <a:fillRect/>
+          </a:stretch>
+        </p:blipFill>
+        <p:spPr>
+          <a:xfrm>
+            <a:off x="606489" y="987247"/>
+            <a:ext cx="4330397" cy="298580"/>
+          </a:xfrm>
+          <a:prstGeom prst="rect">
+            <a:avLst/>
+          </a:prstGeom>
+        </p:spPr>
+      </p:pic>
+      <p:pic>
+        <p:nvPicPr>
+          <p:cNvPr id="13" name="图片 12">
+            <a:extLst>
+              <a:ext uri="{FF2B5EF4-FFF2-40B4-BE49-F238E27FC236}">
+                <a16:creationId xmlns:a16="http://schemas.microsoft.com/office/drawing/2014/main" id="{559A50DB-2351-42CA-A58A-FFE482B9B7CC}"/>
+              </a:ext>
+            </a:extLst>
+          </p:cNvPr>
+          <p:cNvPicPr>
+            <a:picLocks noChangeAspect="1"/>
+          </p:cNvPicPr>
+          <p:nvPr/>
+        </p:nvPicPr>
+        <p:blipFill>
+          <a:blip r:embed="rId4">
+            <a:extLst>
+              <a:ext uri="{28A0092B-C50C-407E-A947-70E740481C1C}">
+                <a14:useLocalDpi xmlns:a14="http://schemas.microsoft.com/office/drawing/2010/main" val="0"/>
+              </a:ext>
+            </a:extLst>
+          </a:blip>
+          <a:stretch>
+            <a:fillRect/>
+          </a:stretch>
+        </p:blipFill>
+        <p:spPr>
+          <a:xfrm>
+            <a:off x="5089913" y="987247"/>
+            <a:ext cx="4330397" cy="298580"/>
+          </a:xfrm>
+          <a:prstGeom prst="rect">
+            <a:avLst/>
+          </a:prstGeom>
+        </p:spPr>
+      </p:pic>
+      <p:pic>
+        <p:nvPicPr>
+          <p:cNvPr id="15" name="图片 14">
+            <a:extLst>
+              <a:ext uri="{FF2B5EF4-FFF2-40B4-BE49-F238E27FC236}">
+                <a16:creationId xmlns:a16="http://schemas.microsoft.com/office/drawing/2014/main" id="{C18FAF99-268E-42CA-846C-04D817F23EDD}"/>
+              </a:ext>
+            </a:extLst>
+          </p:cNvPr>
+          <p:cNvPicPr>
+            <a:picLocks noChangeAspect="1"/>
+          </p:cNvPicPr>
+          <p:nvPr/>
+        </p:nvPicPr>
+        <p:blipFill>
+          <a:blip r:embed="rId5">
+            <a:extLst>
+              <a:ext uri="{28A0092B-C50C-407E-A947-70E740481C1C}">
+                <a14:useLocalDpi xmlns:a14="http://schemas.microsoft.com/office/drawing/2010/main" val="0"/>
+              </a:ext>
+            </a:extLst>
+          </a:blip>
+          <a:stretch>
+            <a:fillRect/>
+          </a:stretch>
+        </p:blipFill>
+        <p:spPr>
+          <a:xfrm>
+            <a:off x="1268152" y="3592176"/>
+            <a:ext cx="7643522" cy="2278577"/>
+          </a:xfrm>
+          <a:prstGeom prst="rect">
+            <a:avLst/>
+          </a:prstGeom>
+        </p:spPr>
+      </p:pic>
+    </p:spTree>
+    <p:extLst>
+      <p:ext uri="{BB962C8B-B14F-4D97-AF65-F5344CB8AC3E}">
+        <p14:creationId xmlns:p14="http://schemas.microsoft.com/office/powerpoint/2010/main" val="358869374"/>
+      </p:ext>
+    </p:extLst>
+  </p:cSld>
+  <p:clrMapOvr>
+    <a:masterClrMapping/>
+  </p:clrMapOvr>
+</p:sld>
+</file>
+
 <file path=ppt/theme/theme1.xml><?xml version="1.0" encoding="utf-8"?>
 <a:theme xmlns:a="http://schemas.openxmlformats.org/drawingml/2006/main" name="Office 主题​​">
   <a:themeElements>

--- a/_posts/images/新建 Microsoft PowerPoint 演示文稿.pptx
+++ b/_posts/images/新建 Microsoft PowerPoint 演示文稿.pptx
@@ -9,6 +9,7 @@
     <p:sldId id="257" r:id="rId3"/>
     <p:sldId id="258" r:id="rId4"/>
     <p:sldId id="259" r:id="rId5"/>
+    <p:sldId id="260" r:id="rId6"/>
   </p:sldIdLst>
   <p:sldSz cx="12192000" cy="6858000"/>
   <p:notesSz cx="6858000" cy="9144000"/>
@@ -262,7 +263,7 @@
           <a:p>
             <a:fld id="{FD65472D-41FC-4FD3-A8F7-7292B42464C5}" type="datetimeFigureOut">
               <a:rPr lang="zh-CN" altLang="en-US" smtClean="0"/>
-              <a:t>2019/12/16</a:t>
+              <a:t>2020/1/15</a:t>
             </a:fld>
             <a:endParaRPr lang="zh-CN" altLang="en-US"/>
           </a:p>
@@ -460,7 +461,7 @@
           <a:p>
             <a:fld id="{FD65472D-41FC-4FD3-A8F7-7292B42464C5}" type="datetimeFigureOut">
               <a:rPr lang="zh-CN" altLang="en-US" smtClean="0"/>
-              <a:t>2019/12/16</a:t>
+              <a:t>2020/1/15</a:t>
             </a:fld>
             <a:endParaRPr lang="zh-CN" altLang="en-US"/>
           </a:p>
@@ -668,7 +669,7 @@
           <a:p>
             <a:fld id="{FD65472D-41FC-4FD3-A8F7-7292B42464C5}" type="datetimeFigureOut">
               <a:rPr lang="zh-CN" altLang="en-US" smtClean="0"/>
-              <a:t>2019/12/16</a:t>
+              <a:t>2020/1/15</a:t>
             </a:fld>
             <a:endParaRPr lang="zh-CN" altLang="en-US"/>
           </a:p>
@@ -866,7 +867,7 @@
           <a:p>
             <a:fld id="{FD65472D-41FC-4FD3-A8F7-7292B42464C5}" type="datetimeFigureOut">
               <a:rPr lang="zh-CN" altLang="en-US" smtClean="0"/>
-              <a:t>2019/12/16</a:t>
+              <a:t>2020/1/15</a:t>
             </a:fld>
             <a:endParaRPr lang="zh-CN" altLang="en-US"/>
           </a:p>
@@ -1141,7 +1142,7 @@
           <a:p>
             <a:fld id="{FD65472D-41FC-4FD3-A8F7-7292B42464C5}" type="datetimeFigureOut">
               <a:rPr lang="zh-CN" altLang="en-US" smtClean="0"/>
-              <a:t>2019/12/16</a:t>
+              <a:t>2020/1/15</a:t>
             </a:fld>
             <a:endParaRPr lang="zh-CN" altLang="en-US"/>
           </a:p>
@@ -1406,7 +1407,7 @@
           <a:p>
             <a:fld id="{FD65472D-41FC-4FD3-A8F7-7292B42464C5}" type="datetimeFigureOut">
               <a:rPr lang="zh-CN" altLang="en-US" smtClean="0"/>
-              <a:t>2019/12/16</a:t>
+              <a:t>2020/1/15</a:t>
             </a:fld>
             <a:endParaRPr lang="zh-CN" altLang="en-US"/>
           </a:p>
@@ -1818,7 +1819,7 @@
           <a:p>
             <a:fld id="{FD65472D-41FC-4FD3-A8F7-7292B42464C5}" type="datetimeFigureOut">
               <a:rPr lang="zh-CN" altLang="en-US" smtClean="0"/>
-              <a:t>2019/12/16</a:t>
+              <a:t>2020/1/15</a:t>
             </a:fld>
             <a:endParaRPr lang="zh-CN" altLang="en-US"/>
           </a:p>
@@ -1959,7 +1960,7 @@
           <a:p>
             <a:fld id="{FD65472D-41FC-4FD3-A8F7-7292B42464C5}" type="datetimeFigureOut">
               <a:rPr lang="zh-CN" altLang="en-US" smtClean="0"/>
-              <a:t>2019/12/16</a:t>
+              <a:t>2020/1/15</a:t>
             </a:fld>
             <a:endParaRPr lang="zh-CN" altLang="en-US"/>
           </a:p>
@@ -2072,7 +2073,7 @@
           <a:p>
             <a:fld id="{FD65472D-41FC-4FD3-A8F7-7292B42464C5}" type="datetimeFigureOut">
               <a:rPr lang="zh-CN" altLang="en-US" smtClean="0"/>
-              <a:t>2019/12/16</a:t>
+              <a:t>2020/1/15</a:t>
             </a:fld>
             <a:endParaRPr lang="zh-CN" altLang="en-US"/>
           </a:p>
@@ -2383,7 +2384,7 @@
           <a:p>
             <a:fld id="{FD65472D-41FC-4FD3-A8F7-7292B42464C5}" type="datetimeFigureOut">
               <a:rPr lang="zh-CN" altLang="en-US" smtClean="0"/>
-              <a:t>2019/12/16</a:t>
+              <a:t>2020/1/15</a:t>
             </a:fld>
             <a:endParaRPr lang="zh-CN" altLang="en-US"/>
           </a:p>
@@ -2671,7 +2672,7 @@
           <a:p>
             <a:fld id="{FD65472D-41FC-4FD3-A8F7-7292B42464C5}" type="datetimeFigureOut">
               <a:rPr lang="zh-CN" altLang="en-US" smtClean="0"/>
-              <a:t>2019/12/16</a:t>
+              <a:t>2020/1/15</a:t>
             </a:fld>
             <a:endParaRPr lang="zh-CN" altLang="en-US"/>
           </a:p>
@@ -2912,7 +2913,7 @@
           <a:p>
             <a:fld id="{FD65472D-41FC-4FD3-A8F7-7292B42464C5}" type="datetimeFigureOut">
               <a:rPr lang="zh-CN" altLang="en-US" smtClean="0"/>
-              <a:t>2019/12/16</a:t>
+              <a:t>2020/1/15</a:t>
             </a:fld>
             <a:endParaRPr lang="zh-CN" altLang="en-US"/>
           </a:p>
@@ -3892,6 +3893,108 @@
 </p:sld>
 </file>
 
+<file path=ppt/slides/slide5.xml><?xml version="1.0" encoding="utf-8"?>
+<p:sld xmlns:a="http://schemas.openxmlformats.org/drawingml/2006/main" xmlns:r="http://schemas.openxmlformats.org/officeDocument/2006/relationships" xmlns:p="http://schemas.openxmlformats.org/presentationml/2006/main">
+  <p:cSld>
+    <p:spTree>
+      <p:nvGrpSpPr>
+        <p:cNvPr id="1" name=""/>
+        <p:cNvGrpSpPr/>
+        <p:nvPr/>
+      </p:nvGrpSpPr>
+      <p:grpSpPr>
+        <a:xfrm>
+          <a:off x="0" y="0"/>
+          <a:ext cx="0" cy="0"/>
+          <a:chOff x="0" y="0"/>
+          <a:chExt cx="0" cy="0"/>
+        </a:xfrm>
+      </p:grpSpPr>
+      <p:pic>
+        <p:nvPicPr>
+          <p:cNvPr id="5" name="图片 4">
+            <a:extLst>
+              <a:ext uri="{FF2B5EF4-FFF2-40B4-BE49-F238E27FC236}">
+                <a16:creationId xmlns:a16="http://schemas.microsoft.com/office/drawing/2014/main" id="{B429C4EB-4244-4171-A42D-2DA42C25FC2B}"/>
+              </a:ext>
+            </a:extLst>
+          </p:cNvPr>
+          <p:cNvPicPr>
+            <a:picLocks noChangeAspect="1"/>
+          </p:cNvPicPr>
+          <p:nvPr/>
+        </p:nvPicPr>
+        <p:blipFill>
+          <a:blip r:embed="rId2">
+            <a:extLst>
+              <a:ext uri="{28A0092B-C50C-407E-A947-70E740481C1C}">
+                <a14:useLocalDpi xmlns:a14="http://schemas.microsoft.com/office/drawing/2010/main" val="0"/>
+              </a:ext>
+            </a:extLst>
+          </a:blip>
+          <a:stretch>
+            <a:fillRect/>
+          </a:stretch>
+        </p:blipFill>
+        <p:spPr>
+          <a:xfrm>
+            <a:off x="3962400" y="2371725"/>
+            <a:ext cx="4267200" cy="2114550"/>
+          </a:xfrm>
+          <a:prstGeom prst="rect">
+            <a:avLst/>
+          </a:prstGeom>
+        </p:spPr>
+      </p:pic>
+      <p:pic>
+        <p:nvPicPr>
+          <p:cNvPr id="7" name="图片 6">
+            <a:extLst>
+              <a:ext uri="{FF2B5EF4-FFF2-40B4-BE49-F238E27FC236}">
+                <a16:creationId xmlns:a16="http://schemas.microsoft.com/office/drawing/2014/main" id="{53AFF999-D5E9-47E1-8E04-10B6946FA873}"/>
+              </a:ext>
+            </a:extLst>
+          </p:cNvPr>
+          <p:cNvPicPr>
+            <a:picLocks noChangeAspect="1"/>
+          </p:cNvPicPr>
+          <p:nvPr/>
+        </p:nvPicPr>
+        <p:blipFill>
+          <a:blip r:embed="rId3">
+            <a:extLst>
+              <a:ext uri="{28A0092B-C50C-407E-A947-70E740481C1C}">
+                <a14:useLocalDpi xmlns:a14="http://schemas.microsoft.com/office/drawing/2010/main" val="0"/>
+              </a:ext>
+            </a:extLst>
+          </a:blip>
+          <a:stretch>
+            <a:fillRect/>
+          </a:stretch>
+        </p:blipFill>
+        <p:spPr>
+          <a:xfrm>
+            <a:off x="1125104" y="2371725"/>
+            <a:ext cx="2552700" cy="2171700"/>
+          </a:xfrm>
+          <a:prstGeom prst="rect">
+            <a:avLst/>
+          </a:prstGeom>
+        </p:spPr>
+      </p:pic>
+    </p:spTree>
+    <p:extLst>
+      <p:ext uri="{BB962C8B-B14F-4D97-AF65-F5344CB8AC3E}">
+        <p14:creationId xmlns:p14="http://schemas.microsoft.com/office/powerpoint/2010/main" val="3320628850"/>
+      </p:ext>
+    </p:extLst>
+  </p:cSld>
+  <p:clrMapOvr>
+    <a:masterClrMapping/>
+  </p:clrMapOvr>
+</p:sld>
+</file>
+
 <file path=ppt/theme/theme1.xml><?xml version="1.0" encoding="utf-8"?>
 <a:theme xmlns:a="http://schemas.openxmlformats.org/drawingml/2006/main" name="Office 主题​​">
   <a:themeElements>
